--- a/Loan_app_setup_guide.pptx
+++ b/Loan_app_setup_guide.pptx
@@ -11489,7 +11489,7 @@
           <a:p>
             <a:fld id="{1AC777EB-40EA-4B3B-B82C-22DCE2B0E604}" type="datetimeFigureOut">
               <a:rPr lang="en-IN" smtClean="0"/>
-              <a:t>07-02-2024</a:t>
+              <a:t>03-04-2024</a:t>
             </a:fld>
             <a:endParaRPr lang="en-IN"/>
           </a:p>
@@ -11689,7 +11689,7 @@
           <a:p>
             <a:fld id="{1AC777EB-40EA-4B3B-B82C-22DCE2B0E604}" type="datetimeFigureOut">
               <a:rPr lang="en-IN" smtClean="0"/>
-              <a:t>07-02-2024</a:t>
+              <a:t>03-04-2024</a:t>
             </a:fld>
             <a:endParaRPr lang="en-IN"/>
           </a:p>
@@ -11899,7 +11899,7 @@
           <a:p>
             <a:fld id="{1AC777EB-40EA-4B3B-B82C-22DCE2B0E604}" type="datetimeFigureOut">
               <a:rPr lang="en-IN" smtClean="0"/>
-              <a:t>07-02-2024</a:t>
+              <a:t>03-04-2024</a:t>
             </a:fld>
             <a:endParaRPr lang="en-IN"/>
           </a:p>
@@ -12099,7 +12099,7 @@
           <a:p>
             <a:fld id="{1AC777EB-40EA-4B3B-B82C-22DCE2B0E604}" type="datetimeFigureOut">
               <a:rPr lang="en-IN" smtClean="0"/>
-              <a:t>07-02-2024</a:t>
+              <a:t>03-04-2024</a:t>
             </a:fld>
             <a:endParaRPr lang="en-IN"/>
           </a:p>
@@ -12375,7 +12375,7 @@
           <a:p>
             <a:fld id="{1AC777EB-40EA-4B3B-B82C-22DCE2B0E604}" type="datetimeFigureOut">
               <a:rPr lang="en-IN" smtClean="0"/>
-              <a:t>07-02-2024</a:t>
+              <a:t>03-04-2024</a:t>
             </a:fld>
             <a:endParaRPr lang="en-IN"/>
           </a:p>
@@ -12643,7 +12643,7 @@
           <a:p>
             <a:fld id="{1AC777EB-40EA-4B3B-B82C-22DCE2B0E604}" type="datetimeFigureOut">
               <a:rPr lang="en-IN" smtClean="0"/>
-              <a:t>07-02-2024</a:t>
+              <a:t>03-04-2024</a:t>
             </a:fld>
             <a:endParaRPr lang="en-IN"/>
           </a:p>
@@ -13058,7 +13058,7 @@
           <a:p>
             <a:fld id="{1AC777EB-40EA-4B3B-B82C-22DCE2B0E604}" type="datetimeFigureOut">
               <a:rPr lang="en-IN" smtClean="0"/>
-              <a:t>07-02-2024</a:t>
+              <a:t>03-04-2024</a:t>
             </a:fld>
             <a:endParaRPr lang="en-IN"/>
           </a:p>
@@ -13200,7 +13200,7 @@
           <a:p>
             <a:fld id="{1AC777EB-40EA-4B3B-B82C-22DCE2B0E604}" type="datetimeFigureOut">
               <a:rPr lang="en-IN" smtClean="0"/>
-              <a:t>07-02-2024</a:t>
+              <a:t>03-04-2024</a:t>
             </a:fld>
             <a:endParaRPr lang="en-IN"/>
           </a:p>
@@ -13313,7 +13313,7 @@
           <a:p>
             <a:fld id="{1AC777EB-40EA-4B3B-B82C-22DCE2B0E604}" type="datetimeFigureOut">
               <a:rPr lang="en-IN" smtClean="0"/>
-              <a:t>07-02-2024</a:t>
+              <a:t>03-04-2024</a:t>
             </a:fld>
             <a:endParaRPr lang="en-IN"/>
           </a:p>
@@ -13626,7 +13626,7 @@
           <a:p>
             <a:fld id="{1AC777EB-40EA-4B3B-B82C-22DCE2B0E604}" type="datetimeFigureOut">
               <a:rPr lang="en-IN" smtClean="0"/>
-              <a:t>07-02-2024</a:t>
+              <a:t>03-04-2024</a:t>
             </a:fld>
             <a:endParaRPr lang="en-IN"/>
           </a:p>
@@ -13915,7 +13915,7 @@
           <a:p>
             <a:fld id="{1AC777EB-40EA-4B3B-B82C-22DCE2B0E604}" type="datetimeFigureOut">
               <a:rPr lang="en-IN" smtClean="0"/>
-              <a:t>07-02-2024</a:t>
+              <a:t>03-04-2024</a:t>
             </a:fld>
             <a:endParaRPr lang="en-IN"/>
           </a:p>
@@ -14158,7 +14158,7 @@
           <a:p>
             <a:fld id="{1AC777EB-40EA-4B3B-B82C-22DCE2B0E604}" type="datetimeFigureOut">
               <a:rPr lang="en-IN" smtClean="0"/>
-              <a:t>07-02-2024</a:t>
+              <a:t>03-04-2024</a:t>
             </a:fld>
             <a:endParaRPr lang="en-IN"/>
           </a:p>
@@ -26657,7 +26657,31 @@
           <a:p>
             <a:r>
               <a:rPr lang="en-US" dirty="0"/>
-              <a:t>Thank you.</a:t>
+              <a:t>Thank you</a:t>
+            </a:r>
+          </a:p>
+          <a:p>
+            <a:endParaRPr lang="en-US" dirty="0"/>
+          </a:p>
+          <a:p>
+            <a:endParaRPr lang="en-US" dirty="0"/>
+          </a:p>
+          <a:p>
+            <a:endParaRPr lang="en-US" dirty="0"/>
+          </a:p>
+          <a:p>
+            <a:endParaRPr lang="en-US" dirty="0"/>
+          </a:p>
+          <a:p>
+            <a:endParaRPr lang="en-US" dirty="0"/>
+          </a:p>
+          <a:p>
+            <a:pPr marL="0" indent="0">
+              <a:buNone/>
+            </a:pPr>
+            <a:r>
+              <a:rPr lang="en-US" dirty="0"/>
+              <a:t>		Prashant Katiyar</a:t>
             </a:r>
             <a:endParaRPr lang="en-IN" dirty="0"/>
           </a:p>

--- a/Loan_app_setup_guide.pptx
+++ b/Loan_app_setup_guide.pptx
@@ -11489,7 +11489,7 @@
           <a:p>
             <a:fld id="{1AC777EB-40EA-4B3B-B82C-22DCE2B0E604}" type="datetimeFigureOut">
               <a:rPr lang="en-IN" smtClean="0"/>
-              <a:t>03-04-2024</a:t>
+              <a:t>12-04-2024</a:t>
             </a:fld>
             <a:endParaRPr lang="en-IN"/>
           </a:p>
@@ -11689,7 +11689,7 @@
           <a:p>
             <a:fld id="{1AC777EB-40EA-4B3B-B82C-22DCE2B0E604}" type="datetimeFigureOut">
               <a:rPr lang="en-IN" smtClean="0"/>
-              <a:t>03-04-2024</a:t>
+              <a:t>12-04-2024</a:t>
             </a:fld>
             <a:endParaRPr lang="en-IN"/>
           </a:p>
@@ -11899,7 +11899,7 @@
           <a:p>
             <a:fld id="{1AC777EB-40EA-4B3B-B82C-22DCE2B0E604}" type="datetimeFigureOut">
               <a:rPr lang="en-IN" smtClean="0"/>
-              <a:t>03-04-2024</a:t>
+              <a:t>12-04-2024</a:t>
             </a:fld>
             <a:endParaRPr lang="en-IN"/>
           </a:p>
@@ -12099,7 +12099,7 @@
           <a:p>
             <a:fld id="{1AC777EB-40EA-4B3B-B82C-22DCE2B0E604}" type="datetimeFigureOut">
               <a:rPr lang="en-IN" smtClean="0"/>
-              <a:t>03-04-2024</a:t>
+              <a:t>12-04-2024</a:t>
             </a:fld>
             <a:endParaRPr lang="en-IN"/>
           </a:p>
@@ -12375,7 +12375,7 @@
           <a:p>
             <a:fld id="{1AC777EB-40EA-4B3B-B82C-22DCE2B0E604}" type="datetimeFigureOut">
               <a:rPr lang="en-IN" smtClean="0"/>
-              <a:t>03-04-2024</a:t>
+              <a:t>12-04-2024</a:t>
             </a:fld>
             <a:endParaRPr lang="en-IN"/>
           </a:p>
@@ -12643,7 +12643,7 @@
           <a:p>
             <a:fld id="{1AC777EB-40EA-4B3B-B82C-22DCE2B0E604}" type="datetimeFigureOut">
               <a:rPr lang="en-IN" smtClean="0"/>
-              <a:t>03-04-2024</a:t>
+              <a:t>12-04-2024</a:t>
             </a:fld>
             <a:endParaRPr lang="en-IN"/>
           </a:p>
@@ -13058,7 +13058,7 @@
           <a:p>
             <a:fld id="{1AC777EB-40EA-4B3B-B82C-22DCE2B0E604}" type="datetimeFigureOut">
               <a:rPr lang="en-IN" smtClean="0"/>
-              <a:t>03-04-2024</a:t>
+              <a:t>12-04-2024</a:t>
             </a:fld>
             <a:endParaRPr lang="en-IN"/>
           </a:p>
@@ -13200,7 +13200,7 @@
           <a:p>
             <a:fld id="{1AC777EB-40EA-4B3B-B82C-22DCE2B0E604}" type="datetimeFigureOut">
               <a:rPr lang="en-IN" smtClean="0"/>
-              <a:t>03-04-2024</a:t>
+              <a:t>12-04-2024</a:t>
             </a:fld>
             <a:endParaRPr lang="en-IN"/>
           </a:p>
@@ -13313,7 +13313,7 @@
           <a:p>
             <a:fld id="{1AC777EB-40EA-4B3B-B82C-22DCE2B0E604}" type="datetimeFigureOut">
               <a:rPr lang="en-IN" smtClean="0"/>
-              <a:t>03-04-2024</a:t>
+              <a:t>12-04-2024</a:t>
             </a:fld>
             <a:endParaRPr lang="en-IN"/>
           </a:p>
@@ -13626,7 +13626,7 @@
           <a:p>
             <a:fld id="{1AC777EB-40EA-4B3B-B82C-22DCE2B0E604}" type="datetimeFigureOut">
               <a:rPr lang="en-IN" smtClean="0"/>
-              <a:t>03-04-2024</a:t>
+              <a:t>12-04-2024</a:t>
             </a:fld>
             <a:endParaRPr lang="en-IN"/>
           </a:p>
@@ -13915,7 +13915,7 @@
           <a:p>
             <a:fld id="{1AC777EB-40EA-4B3B-B82C-22DCE2B0E604}" type="datetimeFigureOut">
               <a:rPr lang="en-IN" smtClean="0"/>
-              <a:t>03-04-2024</a:t>
+              <a:t>12-04-2024</a:t>
             </a:fld>
             <a:endParaRPr lang="en-IN"/>
           </a:p>
@@ -14158,7 +14158,7 @@
           <a:p>
             <a:fld id="{1AC777EB-40EA-4B3B-B82C-22DCE2B0E604}" type="datetimeFigureOut">
               <a:rPr lang="en-IN" smtClean="0"/>
-              <a:t>03-04-2024</a:t>
+              <a:t>12-04-2024</a:t>
             </a:fld>
             <a:endParaRPr lang="en-IN"/>
           </a:p>
@@ -24719,7 +24719,7 @@
         </p:spPr>
         <p:txBody>
           <a:bodyPr>
-            <a:normAutofit/>
+            <a:normAutofit lnSpcReduction="10000"/>
           </a:bodyPr>
           <a:lstStyle/>
           <a:p>
@@ -24750,64 +24750,109 @@
                 <a:spcPts val="0"/>
               </a:spcAft>
             </a:pPr>
-            <a:r>
-              <a:rPr lang="en-US" sz="1500" dirty="0">
-                <a:effectLst/>
-                <a:latin typeface="Calibri" panose="020F0502020204030204" pitchFamily="34" charset="0"/>
-              </a:rPr>
-              <a:t>docker exec -it </a:t>
-            </a:r>
-            <a:r>
-              <a:rPr lang="en-US" sz="1500" dirty="0" err="1">
-                <a:effectLst/>
-                <a:latin typeface="Calibri" panose="020F0502020204030204" pitchFamily="34" charset="0"/>
-              </a:rPr>
-              <a:t>mysql</a:t>
-            </a:r>
-            <a:r>
-              <a:rPr lang="en-US" sz="1500" dirty="0">
-                <a:effectLst/>
-                <a:latin typeface="Calibri" panose="020F0502020204030204" pitchFamily="34" charset="0"/>
-              </a:rPr>
-              <a:t> </a:t>
-            </a:r>
-            <a:r>
-              <a:rPr lang="en-US" sz="1500" dirty="0" err="1">
-                <a:effectLst/>
-                <a:latin typeface="Calibri" panose="020F0502020204030204" pitchFamily="34" charset="0"/>
-              </a:rPr>
-              <a:t>mysql</a:t>
-            </a:r>
-            <a:r>
-              <a:rPr lang="en-US" sz="1500" dirty="0">
-                <a:effectLst/>
-                <a:latin typeface="Calibri" panose="020F0502020204030204" pitchFamily="34" charset="0"/>
-              </a:rPr>
-              <a:t> -</a:t>
-            </a:r>
-            <a:r>
-              <a:rPr lang="en-US" sz="1500" dirty="0" err="1">
-                <a:effectLst/>
-                <a:latin typeface="Calibri" panose="020F0502020204030204" pitchFamily="34" charset="0"/>
-              </a:rPr>
-              <a:t>uroot</a:t>
-            </a:r>
-            <a:r>
-              <a:rPr lang="en-US" sz="1500" dirty="0">
-                <a:effectLst/>
-                <a:latin typeface="Calibri" panose="020F0502020204030204" pitchFamily="34" charset="0"/>
-              </a:rPr>
-              <a:t> -p</a:t>
-            </a:r>
+            <a:endParaRPr lang="en-US" sz="1500" dirty="0">
+              <a:latin typeface="Calibri" panose="020F0502020204030204" pitchFamily="34" charset="0"/>
+            </a:endParaRPr>
           </a:p>
           <a:p>
-            <a:pPr marL="342900" marR="0">
+            <a:pPr marL="114300" marR="0" indent="0">
               <a:spcBef>
                 <a:spcPts val="0"/>
               </a:spcBef>
               <a:spcAft>
                 <a:spcPts val="0"/>
               </a:spcAft>
+              <a:buNone/>
+            </a:pPr>
+            <a:r>
+              <a:rPr lang="en-US" sz="1500" dirty="0">
+                <a:effectLst/>
+                <a:latin typeface="Calibri" panose="020F0502020204030204" pitchFamily="34" charset="0"/>
+              </a:rPr>
+              <a:t>CREATE TABLE `roles` (</a:t>
+            </a:r>
+          </a:p>
+          <a:p>
+            <a:pPr marL="114300" marR="0" indent="0">
+              <a:spcBef>
+                <a:spcPts val="0"/>
+              </a:spcBef>
+              <a:spcAft>
+                <a:spcPts val="0"/>
+              </a:spcAft>
+              <a:buNone/>
+            </a:pPr>
+            <a:r>
+              <a:rPr lang="en-US" sz="1500" dirty="0">
+                <a:effectLst/>
+                <a:latin typeface="Calibri" panose="020F0502020204030204" pitchFamily="34" charset="0"/>
+              </a:rPr>
+              <a:t>  `id` int NOT NULL AUTO_INCREMENT,</a:t>
+            </a:r>
+          </a:p>
+          <a:p>
+            <a:pPr marL="114300" marR="0" indent="0">
+              <a:spcBef>
+                <a:spcPts val="0"/>
+              </a:spcBef>
+              <a:spcAft>
+                <a:spcPts val="0"/>
+              </a:spcAft>
+              <a:buNone/>
+            </a:pPr>
+            <a:r>
+              <a:rPr lang="en-US" sz="1500" dirty="0">
+                <a:effectLst/>
+                <a:latin typeface="Calibri" panose="020F0502020204030204" pitchFamily="34" charset="0"/>
+              </a:rPr>
+              <a:t>  `name` varchar(255) NOT NULL,</a:t>
+            </a:r>
+          </a:p>
+          <a:p>
+            <a:pPr marL="114300" marR="0" indent="0">
+              <a:spcBef>
+                <a:spcPts val="0"/>
+              </a:spcBef>
+              <a:spcAft>
+                <a:spcPts val="0"/>
+              </a:spcAft>
+              <a:buNone/>
+            </a:pPr>
+            <a:r>
+              <a:rPr lang="en-US" sz="1500" dirty="0">
+                <a:effectLst/>
+                <a:latin typeface="Calibri" panose="020F0502020204030204" pitchFamily="34" charset="0"/>
+              </a:rPr>
+              <a:t>  PRIMARY KEY (`id`)</a:t>
+            </a:r>
+          </a:p>
+          <a:p>
+            <a:pPr marL="114300" marR="0" indent="0">
+              <a:spcBef>
+                <a:spcPts val="0"/>
+              </a:spcBef>
+              <a:spcAft>
+                <a:spcPts val="0"/>
+              </a:spcAft>
+              <a:buNone/>
+            </a:pPr>
+            <a:r>
+              <a:rPr lang="en-US" sz="1500" dirty="0">
+                <a:effectLst/>
+                <a:latin typeface="Calibri" panose="020F0502020204030204" pitchFamily="34" charset="0"/>
+              </a:rPr>
+              <a:t>)</a:t>
+            </a:r>
+          </a:p>
+          <a:p>
+            <a:pPr marL="114300" marR="0" indent="0">
+              <a:spcBef>
+                <a:spcPts val="0"/>
+              </a:spcBef>
+              <a:spcAft>
+                <a:spcPts val="0"/>
+              </a:spcAft>
+              <a:buNone/>
             </a:pPr>
             <a:r>
               <a:rPr lang="en-US" sz="1500" dirty="0">
@@ -24832,13 +24877,14 @@
             </a:r>
           </a:p>
           <a:p>
-            <a:pPr marL="342900" marR="0">
+            <a:pPr marL="114300" marR="0" indent="0">
               <a:spcBef>
                 <a:spcPts val="0"/>
               </a:spcBef>
               <a:spcAft>
                 <a:spcPts val="0"/>
               </a:spcAft>
+              <a:buNone/>
             </a:pPr>
             <a:r>
               <a:rPr lang="en-US" sz="1500" dirty="0">
